--- a/Pictures/Pinout_DHT22.pptx
+++ b/Pictures/Pinout_DHT22.pptx
@@ -6,6 +6,7 @@
   </p:sldMasterIdLst>
   <p:sldIdLst>
     <p:sldId id="263" r:id="rId2"/>
+    <p:sldId id="265" r:id="rId3"/>
   </p:sldIdLst>
   <p:sldSz cx="9144000" cy="6858000" type="screen4x3"/>
   <p:notesSz cx="6858000" cy="9144000"/>
@@ -289,7 +290,7 @@
             <a:fld id="{AA309A6D-C09C-4548-B29A-6CF363A7E532}" type="datetimeFigureOut">
               <a:rPr lang="fr-FR" smtClean="0"/>
               <a:pPr/>
-              <a:t>19/02/2024</a:t>
+              <a:t>09/03/2024</a:t>
             </a:fld>
             <a:endParaRPr lang="fr-BE"/>
           </a:p>
@@ -456,7 +457,7 @@
             <a:fld id="{AA309A6D-C09C-4548-B29A-6CF363A7E532}" type="datetimeFigureOut">
               <a:rPr lang="fr-FR" smtClean="0"/>
               <a:pPr/>
-              <a:t>19/02/2024</a:t>
+              <a:t>09/03/2024</a:t>
             </a:fld>
             <a:endParaRPr lang="fr-BE"/>
           </a:p>
@@ -633,7 +634,7 @@
             <a:fld id="{AA309A6D-C09C-4548-B29A-6CF363A7E532}" type="datetimeFigureOut">
               <a:rPr lang="fr-FR" smtClean="0"/>
               <a:pPr/>
-              <a:t>19/02/2024</a:t>
+              <a:t>09/03/2024</a:t>
             </a:fld>
             <a:endParaRPr lang="fr-BE"/>
           </a:p>
@@ -800,7 +801,7 @@
             <a:fld id="{AA309A6D-C09C-4548-B29A-6CF363A7E532}" type="datetimeFigureOut">
               <a:rPr lang="fr-FR" smtClean="0"/>
               <a:pPr/>
-              <a:t>19/02/2024</a:t>
+              <a:t>09/03/2024</a:t>
             </a:fld>
             <a:endParaRPr lang="fr-BE"/>
           </a:p>
@@ -1043,7 +1044,7 @@
             <a:fld id="{AA309A6D-C09C-4548-B29A-6CF363A7E532}" type="datetimeFigureOut">
               <a:rPr lang="fr-FR" smtClean="0"/>
               <a:pPr/>
-              <a:t>19/02/2024</a:t>
+              <a:t>09/03/2024</a:t>
             </a:fld>
             <a:endParaRPr lang="fr-BE"/>
           </a:p>
@@ -1328,7 +1329,7 @@
             <a:fld id="{AA309A6D-C09C-4548-B29A-6CF363A7E532}" type="datetimeFigureOut">
               <a:rPr lang="fr-FR" smtClean="0"/>
               <a:pPr/>
-              <a:t>19/02/2024</a:t>
+              <a:t>09/03/2024</a:t>
             </a:fld>
             <a:endParaRPr lang="fr-BE"/>
           </a:p>
@@ -1747,7 +1748,7 @@
             <a:fld id="{AA309A6D-C09C-4548-B29A-6CF363A7E532}" type="datetimeFigureOut">
               <a:rPr lang="fr-FR" smtClean="0"/>
               <a:pPr/>
-              <a:t>19/02/2024</a:t>
+              <a:t>09/03/2024</a:t>
             </a:fld>
             <a:endParaRPr lang="fr-BE"/>
           </a:p>
@@ -1862,7 +1863,7 @@
             <a:fld id="{AA309A6D-C09C-4548-B29A-6CF363A7E532}" type="datetimeFigureOut">
               <a:rPr lang="fr-FR" smtClean="0"/>
               <a:pPr/>
-              <a:t>19/02/2024</a:t>
+              <a:t>09/03/2024</a:t>
             </a:fld>
             <a:endParaRPr lang="fr-BE"/>
           </a:p>
@@ -1954,7 +1955,7 @@
             <a:fld id="{AA309A6D-C09C-4548-B29A-6CF363A7E532}" type="datetimeFigureOut">
               <a:rPr lang="fr-FR" smtClean="0"/>
               <a:pPr/>
-              <a:t>19/02/2024</a:t>
+              <a:t>09/03/2024</a:t>
             </a:fld>
             <a:endParaRPr lang="fr-BE"/>
           </a:p>
@@ -2228,7 +2229,7 @@
             <a:fld id="{AA309A6D-C09C-4548-B29A-6CF363A7E532}" type="datetimeFigureOut">
               <a:rPr lang="fr-FR" smtClean="0"/>
               <a:pPr/>
-              <a:t>19/02/2024</a:t>
+              <a:t>09/03/2024</a:t>
             </a:fld>
             <a:endParaRPr lang="fr-BE"/>
           </a:p>
@@ -2478,7 +2479,7 @@
             <a:fld id="{AA309A6D-C09C-4548-B29A-6CF363A7E532}" type="datetimeFigureOut">
               <a:rPr lang="fr-FR" smtClean="0"/>
               <a:pPr/>
-              <a:t>19/02/2024</a:t>
+              <a:t>09/03/2024</a:t>
             </a:fld>
             <a:endParaRPr lang="fr-BE"/>
           </a:p>
@@ -2688,7 +2689,7 @@
             <a:fld id="{AA309A6D-C09C-4548-B29A-6CF363A7E532}" type="datetimeFigureOut">
               <a:rPr lang="fr-FR" smtClean="0"/>
               <a:pPr/>
-              <a:t>19/02/2024</a:t>
+              <a:t>09/03/2024</a:t>
             </a:fld>
             <a:endParaRPr lang="fr-BE"/>
           </a:p>
@@ -4057,13 +4058,8 @@
           <a:p>
             <a:r>
               <a:rPr lang="fr-FR" dirty="0" smtClean="0"/>
-              <a:t>CS to </a:t>
-            </a:r>
-            <a:r>
-              <a:rPr lang="fr-FR" dirty="0" smtClean="0"/>
-              <a:t>D10</a:t>
-            </a:r>
-            <a:endParaRPr lang="fr-FR" dirty="0" smtClean="0"/>
+              <a:t>CS to D10</a:t>
+            </a:r>
           </a:p>
           <a:p>
             <a:r>
@@ -4805,6 +4801,1722 @@
           <a:xfrm flipH="1">
             <a:off x="2339752" y="1556792"/>
             <a:ext cx="288032" cy="0"/>
+          </a:xfrm>
+          <a:prstGeom prst="line">
+            <a:avLst/>
+          </a:prstGeom>
+          <a:ln w="38100">
+            <a:solidFill>
+              <a:schemeClr val="tx1"/>
+            </a:solidFill>
+          </a:ln>
+        </p:spPr>
+        <p:style>
+          <a:lnRef idx="1">
+            <a:schemeClr val="accent1"/>
+          </a:lnRef>
+          <a:fillRef idx="0">
+            <a:schemeClr val="accent1"/>
+          </a:fillRef>
+          <a:effectRef idx="0">
+            <a:schemeClr val="accent1"/>
+          </a:effectRef>
+          <a:fontRef idx="minor">
+            <a:schemeClr val="tx1"/>
+          </a:fontRef>
+        </p:style>
+      </p:cxnSp>
+    </p:spTree>
+  </p:cSld>
+  <p:clrMapOvr>
+    <a:masterClrMapping/>
+  </p:clrMapOvr>
+  <p:timing>
+    <p:tnLst>
+      <p:par>
+        <p:cTn id="1" dur="indefinite" restart="never" nodeType="tmRoot"/>
+      </p:par>
+    </p:tnLst>
+  </p:timing>
+</p:sld>
+</file>
+
+<file path=ppt/slides/slide2.xml><?xml version="1.0" encoding="utf-8"?>
+<p:sld xmlns:a="http://schemas.openxmlformats.org/drawingml/2006/main" xmlns:r="http://schemas.openxmlformats.org/officeDocument/2006/relationships" xmlns:p="http://schemas.openxmlformats.org/presentationml/2006/main">
+  <p:cSld>
+    <p:spTree>
+      <p:nvGrpSpPr>
+        <p:cNvPr id="1" name=""/>
+        <p:cNvGrpSpPr/>
+        <p:nvPr/>
+      </p:nvGrpSpPr>
+      <p:grpSpPr>
+        <a:xfrm>
+          <a:off x="0" y="0"/>
+          <a:ext cx="0" cy="0"/>
+          <a:chOff x="0" y="0"/>
+          <a:chExt cx="0" cy="0"/>
+        </a:xfrm>
+      </p:grpSpPr>
+      <p:pic>
+        <p:nvPicPr>
+          <p:cNvPr id="8194" name="Picture 2" descr="AM2302 DHT22 Module numérique de température et d'humidité de capacité"/>
+          <p:cNvPicPr>
+            <a:picLocks noChangeAspect="1" noChangeArrowheads="1"/>
+          </p:cNvPicPr>
+          <p:nvPr/>
+        </p:nvPicPr>
+        <p:blipFill>
+          <a:blip r:embed="rId2" cstate="print">
+            <a:clrChange>
+              <a:clrFrom>
+                <a:srgbClr val="FFFFFF"/>
+              </a:clrFrom>
+              <a:clrTo>
+                <a:srgbClr val="FFFFFF">
+                  <a:alpha val="0"/>
+                </a:srgbClr>
+              </a:clrTo>
+            </a:clrChange>
+          </a:blip>
+          <a:srcRect/>
+          <a:stretch>
+            <a:fillRect/>
+          </a:stretch>
+        </p:blipFill>
+        <p:spPr bwMode="auto">
+          <a:xfrm rot="5400000">
+            <a:off x="5076056" y="1772816"/>
+            <a:ext cx="3456384" cy="3456384"/>
+          </a:xfrm>
+          <a:prstGeom prst="rect">
+            <a:avLst/>
+          </a:prstGeom>
+          <a:noFill/>
+        </p:spPr>
+      </p:pic>
+      <p:pic>
+        <p:nvPicPr>
+          <p:cNvPr id="1026" name="Picture 2" descr="C:\Users\BOICHOT\Desktop\SD_GB_Printer6\arduino-uno-r3-board-500x500.jpg"/>
+          <p:cNvPicPr>
+            <a:picLocks noChangeAspect="1" noChangeArrowheads="1"/>
+          </p:cNvPicPr>
+          <p:nvPr/>
+        </p:nvPicPr>
+        <p:blipFill>
+          <a:blip r:embed="rId3" cstate="print"/>
+          <a:srcRect/>
+          <a:stretch>
+            <a:fillRect/>
+          </a:stretch>
+        </p:blipFill>
+        <p:spPr bwMode="auto">
+          <a:xfrm>
+            <a:off x="35496" y="1725773"/>
+            <a:ext cx="4762500" cy="3800475"/>
+          </a:xfrm>
+          <a:prstGeom prst="rect">
+            <a:avLst/>
+          </a:prstGeom>
+          <a:noFill/>
+        </p:spPr>
+      </p:pic>
+      <p:cxnSp>
+        <p:nvCxnSpPr>
+          <p:cNvPr id="13" name="Connecteur droit 12"/>
+          <p:cNvCxnSpPr/>
+          <p:nvPr/>
+        </p:nvCxnSpPr>
+        <p:spPr>
+          <a:xfrm flipV="1">
+            <a:off x="3779912" y="2132856"/>
+            <a:ext cx="0" cy="144016"/>
+          </a:xfrm>
+          <a:prstGeom prst="line">
+            <a:avLst/>
+          </a:prstGeom>
+          <a:ln w="38100">
+            <a:solidFill>
+              <a:schemeClr val="accent6">
+                <a:lumMod val="75000"/>
+              </a:schemeClr>
+            </a:solidFill>
+          </a:ln>
+        </p:spPr>
+        <p:style>
+          <a:lnRef idx="1">
+            <a:schemeClr val="accent1"/>
+          </a:lnRef>
+          <a:fillRef idx="0">
+            <a:schemeClr val="accent1"/>
+          </a:fillRef>
+          <a:effectRef idx="0">
+            <a:schemeClr val="accent1"/>
+          </a:effectRef>
+          <a:fontRef idx="minor">
+            <a:schemeClr val="tx1"/>
+          </a:fontRef>
+        </p:style>
+      </p:cxnSp>
+      <p:sp>
+        <p:nvSpPr>
+          <p:cNvPr id="20" name="ZoneTexte 19"/>
+          <p:cNvSpPr txBox="1"/>
+          <p:nvPr/>
+        </p:nvSpPr>
+        <p:spPr>
+          <a:xfrm>
+            <a:off x="6444208" y="3068960"/>
+            <a:ext cx="1368152" cy="923330"/>
+          </a:xfrm>
+          <a:prstGeom prst="rect">
+            <a:avLst/>
+          </a:prstGeom>
+          <a:solidFill>
+            <a:schemeClr val="bg1">
+              <a:alpha val="43000"/>
+            </a:schemeClr>
+          </a:solidFill>
+        </p:spPr>
+        <p:txBody>
+          <a:bodyPr wrap="square" rtlCol="0">
+            <a:spAutoFit/>
+          </a:bodyPr>
+          <a:lstStyle/>
+          <a:p>
+            <a:r>
+              <a:rPr lang="fr-FR" dirty="0" smtClean="0"/>
+              <a:t>GND to GND</a:t>
+            </a:r>
+          </a:p>
+          <a:p>
+            <a:r>
+              <a:rPr lang="fr-FR" dirty="0" smtClean="0"/>
+              <a:t>VCC to 5V</a:t>
+            </a:r>
+          </a:p>
+          <a:p>
+            <a:r>
+              <a:rPr lang="fr-FR" dirty="0" smtClean="0"/>
+              <a:t>DAT to D2</a:t>
+            </a:r>
+            <a:endParaRPr lang="fr-FR" dirty="0"/>
+          </a:p>
+        </p:txBody>
+      </p:sp>
+      <p:pic>
+        <p:nvPicPr>
+          <p:cNvPr id="3" name="Picture 3"/>
+          <p:cNvPicPr>
+            <a:picLocks noChangeAspect="1" noChangeArrowheads="1"/>
+          </p:cNvPicPr>
+          <p:nvPr/>
+        </p:nvPicPr>
+        <p:blipFill>
+          <a:blip r:embed="rId4" cstate="print"/>
+          <a:srcRect/>
+          <a:stretch>
+            <a:fillRect/>
+          </a:stretch>
+        </p:blipFill>
+        <p:spPr bwMode="auto">
+          <a:xfrm>
+            <a:off x="5435491" y="476672"/>
+            <a:ext cx="3456989" cy="2088232"/>
+          </a:xfrm>
+          <a:prstGeom prst="rect">
+            <a:avLst/>
+          </a:prstGeom>
+          <a:noFill/>
+          <a:ln w="9525">
+            <a:noFill/>
+            <a:miter lim="800000"/>
+            <a:headEnd/>
+            <a:tailEnd/>
+          </a:ln>
+        </p:spPr>
+      </p:pic>
+      <p:cxnSp>
+        <p:nvCxnSpPr>
+          <p:cNvPr id="29" name="Connecteur droit 28"/>
+          <p:cNvCxnSpPr/>
+          <p:nvPr/>
+        </p:nvCxnSpPr>
+        <p:spPr>
+          <a:xfrm>
+            <a:off x="2699792" y="4797152"/>
+            <a:ext cx="0" cy="792088"/>
+          </a:xfrm>
+          <a:prstGeom prst="line">
+            <a:avLst/>
+          </a:prstGeom>
+          <a:ln w="38100">
+            <a:solidFill>
+              <a:srgbClr val="FF0000"/>
+            </a:solidFill>
+          </a:ln>
+        </p:spPr>
+        <p:style>
+          <a:lnRef idx="1">
+            <a:schemeClr val="accent1"/>
+          </a:lnRef>
+          <a:fillRef idx="0">
+            <a:schemeClr val="accent1"/>
+          </a:fillRef>
+          <a:effectRef idx="0">
+            <a:schemeClr val="accent1"/>
+          </a:effectRef>
+          <a:fontRef idx="minor">
+            <a:schemeClr val="tx1"/>
+          </a:fontRef>
+        </p:style>
+      </p:cxnSp>
+      <p:cxnSp>
+        <p:nvCxnSpPr>
+          <p:cNvPr id="54" name="Connecteur droit 53"/>
+          <p:cNvCxnSpPr/>
+          <p:nvPr/>
+        </p:nvCxnSpPr>
+        <p:spPr>
+          <a:xfrm flipV="1">
+            <a:off x="2627784" y="1556792"/>
+            <a:ext cx="0" cy="720080"/>
+          </a:xfrm>
+          <a:prstGeom prst="line">
+            <a:avLst/>
+          </a:prstGeom>
+          <a:ln w="38100">
+            <a:solidFill>
+              <a:srgbClr val="FFC000"/>
+            </a:solidFill>
+          </a:ln>
+        </p:spPr>
+        <p:style>
+          <a:lnRef idx="1">
+            <a:schemeClr val="accent1"/>
+          </a:lnRef>
+          <a:fillRef idx="0">
+            <a:schemeClr val="accent1"/>
+          </a:fillRef>
+          <a:effectRef idx="0">
+            <a:schemeClr val="accent1"/>
+          </a:effectRef>
+          <a:fontRef idx="minor">
+            <a:schemeClr val="tx1"/>
+          </a:fontRef>
+        </p:style>
+      </p:cxnSp>
+      <p:cxnSp>
+        <p:nvCxnSpPr>
+          <p:cNvPr id="57" name="Connecteur droit 56"/>
+          <p:cNvCxnSpPr/>
+          <p:nvPr/>
+        </p:nvCxnSpPr>
+        <p:spPr>
+          <a:xfrm>
+            <a:off x="2627784" y="1556792"/>
+            <a:ext cx="3024336" cy="0"/>
+          </a:xfrm>
+          <a:prstGeom prst="line">
+            <a:avLst/>
+          </a:prstGeom>
+          <a:ln w="38100">
+            <a:solidFill>
+              <a:srgbClr val="FFC000"/>
+            </a:solidFill>
+          </a:ln>
+        </p:spPr>
+        <p:style>
+          <a:lnRef idx="1">
+            <a:schemeClr val="accent1"/>
+          </a:lnRef>
+          <a:fillRef idx="0">
+            <a:schemeClr val="accent1"/>
+          </a:fillRef>
+          <a:effectRef idx="0">
+            <a:schemeClr val="accent1"/>
+          </a:effectRef>
+          <a:fontRef idx="minor">
+            <a:schemeClr val="tx1"/>
+          </a:fontRef>
+        </p:style>
+      </p:cxnSp>
+      <p:cxnSp>
+        <p:nvCxnSpPr>
+          <p:cNvPr id="64" name="Connecteur droit 63"/>
+          <p:cNvCxnSpPr/>
+          <p:nvPr/>
+        </p:nvCxnSpPr>
+        <p:spPr>
+          <a:xfrm>
+            <a:off x="2483768" y="1700808"/>
+            <a:ext cx="0" cy="576064"/>
+          </a:xfrm>
+          <a:prstGeom prst="line">
+            <a:avLst/>
+          </a:prstGeom>
+          <a:ln w="38100">
+            <a:solidFill>
+              <a:srgbClr val="92D050"/>
+            </a:solidFill>
+          </a:ln>
+        </p:spPr>
+        <p:style>
+          <a:lnRef idx="1">
+            <a:schemeClr val="accent1"/>
+          </a:lnRef>
+          <a:fillRef idx="0">
+            <a:schemeClr val="accent1"/>
+          </a:fillRef>
+          <a:effectRef idx="0">
+            <a:schemeClr val="accent1"/>
+          </a:effectRef>
+          <a:fontRef idx="minor">
+            <a:schemeClr val="tx1"/>
+          </a:fontRef>
+        </p:style>
+      </p:cxnSp>
+      <p:cxnSp>
+        <p:nvCxnSpPr>
+          <p:cNvPr id="67" name="Connecteur droit 66"/>
+          <p:cNvCxnSpPr/>
+          <p:nvPr/>
+        </p:nvCxnSpPr>
+        <p:spPr>
+          <a:xfrm>
+            <a:off x="2483768" y="1700808"/>
+            <a:ext cx="3168352" cy="0"/>
+          </a:xfrm>
+          <a:prstGeom prst="line">
+            <a:avLst/>
+          </a:prstGeom>
+          <a:ln w="38100">
+            <a:solidFill>
+              <a:srgbClr val="92D050"/>
+            </a:solidFill>
+          </a:ln>
+        </p:spPr>
+        <p:style>
+          <a:lnRef idx="1">
+            <a:schemeClr val="accent1"/>
+          </a:lnRef>
+          <a:fillRef idx="0">
+            <a:schemeClr val="accent1"/>
+          </a:fillRef>
+          <a:effectRef idx="0">
+            <a:schemeClr val="accent1"/>
+          </a:effectRef>
+          <a:fontRef idx="minor">
+            <a:schemeClr val="tx1"/>
+          </a:fontRef>
+        </p:style>
+      </p:cxnSp>
+      <p:cxnSp>
+        <p:nvCxnSpPr>
+          <p:cNvPr id="74" name="Connecteur droit 73"/>
+          <p:cNvCxnSpPr/>
+          <p:nvPr/>
+        </p:nvCxnSpPr>
+        <p:spPr>
+          <a:xfrm>
+            <a:off x="2411760" y="1988840"/>
+            <a:ext cx="3240360" cy="0"/>
+          </a:xfrm>
+          <a:prstGeom prst="line">
+            <a:avLst/>
+          </a:prstGeom>
+          <a:ln w="38100">
+            <a:solidFill>
+              <a:srgbClr val="00B050"/>
+            </a:solidFill>
+          </a:ln>
+        </p:spPr>
+        <p:style>
+          <a:lnRef idx="1">
+            <a:schemeClr val="accent1"/>
+          </a:lnRef>
+          <a:fillRef idx="0">
+            <a:schemeClr val="accent1"/>
+          </a:fillRef>
+          <a:effectRef idx="0">
+            <a:schemeClr val="accent1"/>
+          </a:effectRef>
+          <a:fontRef idx="minor">
+            <a:schemeClr val="tx1"/>
+          </a:fontRef>
+        </p:style>
+      </p:cxnSp>
+      <p:cxnSp>
+        <p:nvCxnSpPr>
+          <p:cNvPr id="76" name="Connecteur droit 75"/>
+          <p:cNvCxnSpPr/>
+          <p:nvPr/>
+        </p:nvCxnSpPr>
+        <p:spPr>
+          <a:xfrm>
+            <a:off x="2411760" y="1988840"/>
+            <a:ext cx="0" cy="288032"/>
+          </a:xfrm>
+          <a:prstGeom prst="line">
+            <a:avLst/>
+          </a:prstGeom>
+          <a:ln w="38100">
+            <a:solidFill>
+              <a:srgbClr val="00B050"/>
+            </a:solidFill>
+          </a:ln>
+        </p:spPr>
+        <p:style>
+          <a:lnRef idx="1">
+            <a:schemeClr val="accent1"/>
+          </a:lnRef>
+          <a:fillRef idx="0">
+            <a:schemeClr val="accent1"/>
+          </a:fillRef>
+          <a:effectRef idx="0">
+            <a:schemeClr val="accent1"/>
+          </a:effectRef>
+          <a:fontRef idx="minor">
+            <a:schemeClr val="tx1"/>
+          </a:fontRef>
+        </p:style>
+      </p:cxnSp>
+      <p:cxnSp>
+        <p:nvCxnSpPr>
+          <p:cNvPr id="82" name="Connecteur droit 81"/>
+          <p:cNvCxnSpPr/>
+          <p:nvPr/>
+        </p:nvCxnSpPr>
+        <p:spPr>
+          <a:xfrm flipH="1">
+            <a:off x="2267744" y="1844824"/>
+            <a:ext cx="3384376" cy="0"/>
+          </a:xfrm>
+          <a:prstGeom prst="line">
+            <a:avLst/>
+          </a:prstGeom>
+          <a:ln w="38100">
+            <a:solidFill>
+              <a:srgbClr val="00B0F0"/>
+            </a:solidFill>
+          </a:ln>
+        </p:spPr>
+        <p:style>
+          <a:lnRef idx="1">
+            <a:schemeClr val="accent1"/>
+          </a:lnRef>
+          <a:fillRef idx="0">
+            <a:schemeClr val="accent1"/>
+          </a:fillRef>
+          <a:effectRef idx="0">
+            <a:schemeClr val="accent1"/>
+          </a:effectRef>
+          <a:fontRef idx="minor">
+            <a:schemeClr val="tx1"/>
+          </a:fontRef>
+        </p:style>
+      </p:cxnSp>
+      <p:cxnSp>
+        <p:nvCxnSpPr>
+          <p:cNvPr id="84" name="Connecteur droit 83"/>
+          <p:cNvCxnSpPr/>
+          <p:nvPr/>
+        </p:nvCxnSpPr>
+        <p:spPr>
+          <a:xfrm flipV="1">
+            <a:off x="2267744" y="1844824"/>
+            <a:ext cx="0" cy="432048"/>
+          </a:xfrm>
+          <a:prstGeom prst="line">
+            <a:avLst/>
+          </a:prstGeom>
+          <a:ln w="38100">
+            <a:solidFill>
+              <a:srgbClr val="00B0F0"/>
+            </a:solidFill>
+          </a:ln>
+        </p:spPr>
+        <p:style>
+          <a:lnRef idx="1">
+            <a:schemeClr val="accent1"/>
+          </a:lnRef>
+          <a:fillRef idx="0">
+            <a:schemeClr val="accent1"/>
+          </a:fillRef>
+          <a:effectRef idx="0">
+            <a:schemeClr val="accent1"/>
+          </a:effectRef>
+          <a:fontRef idx="minor">
+            <a:schemeClr val="tx1"/>
+          </a:fontRef>
+        </p:style>
+      </p:cxnSp>
+      <p:cxnSp>
+        <p:nvCxnSpPr>
+          <p:cNvPr id="97" name="Connecteur droit 96"/>
+          <p:cNvCxnSpPr/>
+          <p:nvPr/>
+        </p:nvCxnSpPr>
+        <p:spPr>
+          <a:xfrm>
+            <a:off x="2843808" y="4797152"/>
+            <a:ext cx="0" cy="1008112"/>
+          </a:xfrm>
+          <a:prstGeom prst="line">
+            <a:avLst/>
+          </a:prstGeom>
+          <a:ln w="38100">
+            <a:solidFill>
+              <a:schemeClr val="tx1"/>
+            </a:solidFill>
+          </a:ln>
+        </p:spPr>
+        <p:style>
+          <a:lnRef idx="1">
+            <a:schemeClr val="accent1"/>
+          </a:lnRef>
+          <a:fillRef idx="0">
+            <a:schemeClr val="accent1"/>
+          </a:fillRef>
+          <a:effectRef idx="0">
+            <a:schemeClr val="accent1"/>
+          </a:effectRef>
+          <a:fontRef idx="minor">
+            <a:schemeClr val="tx1"/>
+          </a:fontRef>
+        </p:style>
+      </p:cxnSp>
+      <p:sp>
+        <p:nvSpPr>
+          <p:cNvPr id="101" name="ZoneTexte 100"/>
+          <p:cNvSpPr txBox="1"/>
+          <p:nvPr/>
+        </p:nvSpPr>
+        <p:spPr>
+          <a:xfrm>
+            <a:off x="6911148" y="548680"/>
+            <a:ext cx="1548680" cy="1754326"/>
+          </a:xfrm>
+          <a:prstGeom prst="rect">
+            <a:avLst/>
+          </a:prstGeom>
+          <a:noFill/>
+        </p:spPr>
+        <p:txBody>
+          <a:bodyPr wrap="square" rtlCol="0">
+            <a:spAutoFit/>
+          </a:bodyPr>
+          <a:lstStyle/>
+          <a:p>
+            <a:r>
+              <a:rPr lang="fr-FR" dirty="0" smtClean="0"/>
+              <a:t>+5 to 5V</a:t>
+            </a:r>
+          </a:p>
+          <a:p>
+            <a:r>
+              <a:rPr lang="fr-FR" dirty="0" smtClean="0"/>
+              <a:t>CS to D10</a:t>
+            </a:r>
+          </a:p>
+          <a:p>
+            <a:r>
+              <a:rPr lang="fr-FR" dirty="0" smtClean="0"/>
+              <a:t>MOSI to D11</a:t>
+            </a:r>
+          </a:p>
+          <a:p>
+            <a:r>
+              <a:rPr lang="fr-FR" dirty="0" smtClean="0"/>
+              <a:t>SCK to D13</a:t>
+            </a:r>
+          </a:p>
+          <a:p>
+            <a:r>
+              <a:rPr lang="fr-FR" dirty="0" smtClean="0"/>
+              <a:t>MISO to D12</a:t>
+            </a:r>
+          </a:p>
+          <a:p>
+            <a:r>
+              <a:rPr lang="fr-FR" dirty="0" smtClean="0"/>
+              <a:t>GND to GND</a:t>
+            </a:r>
+          </a:p>
+        </p:txBody>
+      </p:sp>
+      <p:cxnSp>
+        <p:nvCxnSpPr>
+          <p:cNvPr id="45" name="Connecteur droit 44"/>
+          <p:cNvCxnSpPr/>
+          <p:nvPr/>
+        </p:nvCxnSpPr>
+        <p:spPr>
+          <a:xfrm flipH="1">
+            <a:off x="3779912" y="2132856"/>
+            <a:ext cx="936104" cy="0"/>
+          </a:xfrm>
+          <a:prstGeom prst="line">
+            <a:avLst/>
+          </a:prstGeom>
+          <a:ln w="38100">
+            <a:solidFill>
+              <a:schemeClr val="accent6">
+                <a:lumMod val="75000"/>
+              </a:schemeClr>
+            </a:solidFill>
+          </a:ln>
+        </p:spPr>
+        <p:style>
+          <a:lnRef idx="1">
+            <a:schemeClr val="accent1"/>
+          </a:lnRef>
+          <a:fillRef idx="0">
+            <a:schemeClr val="accent1"/>
+          </a:fillRef>
+          <a:effectRef idx="0">
+            <a:schemeClr val="accent1"/>
+          </a:effectRef>
+          <a:fontRef idx="minor">
+            <a:schemeClr val="tx1"/>
+          </a:fontRef>
+        </p:style>
+      </p:cxnSp>
+      <p:cxnSp>
+        <p:nvCxnSpPr>
+          <p:cNvPr id="83" name="Connecteur droit 82"/>
+          <p:cNvCxnSpPr/>
+          <p:nvPr/>
+        </p:nvCxnSpPr>
+        <p:spPr>
+          <a:xfrm>
+            <a:off x="2123728" y="764704"/>
+            <a:ext cx="0" cy="1476560"/>
+          </a:xfrm>
+          <a:prstGeom prst="line">
+            <a:avLst/>
+          </a:prstGeom>
+          <a:ln w="38100">
+            <a:solidFill>
+              <a:schemeClr val="tx1"/>
+            </a:solidFill>
+          </a:ln>
+        </p:spPr>
+        <p:style>
+          <a:lnRef idx="1">
+            <a:schemeClr val="accent1"/>
+          </a:lnRef>
+          <a:fillRef idx="0">
+            <a:schemeClr val="accent1"/>
+          </a:fillRef>
+          <a:effectRef idx="0">
+            <a:schemeClr val="accent1"/>
+          </a:effectRef>
+          <a:fontRef idx="minor">
+            <a:schemeClr val="tx1"/>
+          </a:fontRef>
+        </p:style>
+      </p:cxnSp>
+      <p:cxnSp>
+        <p:nvCxnSpPr>
+          <p:cNvPr id="99" name="Connecteur droit 98"/>
+          <p:cNvCxnSpPr/>
+          <p:nvPr/>
+        </p:nvCxnSpPr>
+        <p:spPr>
+          <a:xfrm flipV="1">
+            <a:off x="3563888" y="1052736"/>
+            <a:ext cx="0" cy="1224136"/>
+          </a:xfrm>
+          <a:prstGeom prst="line">
+            <a:avLst/>
+          </a:prstGeom>
+          <a:ln w="38100">
+            <a:solidFill>
+              <a:srgbClr val="7030A0"/>
+            </a:solidFill>
+          </a:ln>
+        </p:spPr>
+        <p:style>
+          <a:lnRef idx="1">
+            <a:schemeClr val="accent1"/>
+          </a:lnRef>
+          <a:fillRef idx="0">
+            <a:schemeClr val="accent1"/>
+          </a:fillRef>
+          <a:effectRef idx="0">
+            <a:schemeClr val="accent1"/>
+          </a:effectRef>
+          <a:fontRef idx="minor">
+            <a:schemeClr val="tx1"/>
+          </a:fontRef>
+        </p:style>
+      </p:cxnSp>
+      <p:cxnSp>
+        <p:nvCxnSpPr>
+          <p:cNvPr id="104" name="Connecteur droit 103"/>
+          <p:cNvCxnSpPr/>
+          <p:nvPr/>
+        </p:nvCxnSpPr>
+        <p:spPr>
+          <a:xfrm flipV="1">
+            <a:off x="3419872" y="692696"/>
+            <a:ext cx="0" cy="1584176"/>
+          </a:xfrm>
+          <a:prstGeom prst="line">
+            <a:avLst/>
+          </a:prstGeom>
+          <a:ln w="38100">
+            <a:solidFill>
+              <a:srgbClr val="7030A0"/>
+            </a:solidFill>
+          </a:ln>
+        </p:spPr>
+        <p:style>
+          <a:lnRef idx="1">
+            <a:schemeClr val="accent1"/>
+          </a:lnRef>
+          <a:fillRef idx="0">
+            <a:schemeClr val="accent1"/>
+          </a:fillRef>
+          <a:effectRef idx="0">
+            <a:schemeClr val="accent1"/>
+          </a:effectRef>
+          <a:fontRef idx="minor">
+            <a:schemeClr val="tx1"/>
+          </a:fontRef>
+        </p:style>
+      </p:cxnSp>
+      <p:sp>
+        <p:nvSpPr>
+          <p:cNvPr id="108" name="ZoneTexte 107"/>
+          <p:cNvSpPr txBox="1"/>
+          <p:nvPr/>
+        </p:nvSpPr>
+        <p:spPr>
+          <a:xfrm>
+            <a:off x="4067944" y="622429"/>
+            <a:ext cx="1368152" cy="646331"/>
+          </a:xfrm>
+          <a:prstGeom prst="rect">
+            <a:avLst/>
+          </a:prstGeom>
+          <a:solidFill>
+            <a:schemeClr val="bg1">
+              <a:alpha val="43000"/>
+            </a:schemeClr>
+          </a:solidFill>
+        </p:spPr>
+        <p:txBody>
+          <a:bodyPr wrap="square" rtlCol="0">
+            <a:spAutoFit/>
+          </a:bodyPr>
+          <a:lstStyle/>
+          <a:p>
+            <a:r>
+              <a:rPr lang="fr-FR" dirty="0" err="1" smtClean="0"/>
+              <a:t>Red</a:t>
+            </a:r>
+            <a:r>
+              <a:rPr lang="fr-FR" dirty="0" smtClean="0"/>
+              <a:t> to D5</a:t>
+            </a:r>
+          </a:p>
+          <a:p>
+            <a:r>
+              <a:rPr lang="fr-FR" dirty="0" smtClean="0"/>
+              <a:t>Green to D4</a:t>
+            </a:r>
+            <a:endParaRPr lang="fr-FR" dirty="0"/>
+          </a:p>
+        </p:txBody>
+      </p:sp>
+      <p:pic>
+        <p:nvPicPr>
+          <p:cNvPr id="2" name="Picture 2"/>
+          <p:cNvPicPr>
+            <a:picLocks noChangeAspect="1" noChangeArrowheads="1"/>
+          </p:cNvPicPr>
+          <p:nvPr/>
+        </p:nvPicPr>
+        <p:blipFill>
+          <a:blip r:embed="rId5" cstate="print"/>
+          <a:srcRect/>
+          <a:stretch>
+            <a:fillRect/>
+          </a:stretch>
+        </p:blipFill>
+        <p:spPr bwMode="auto">
+          <a:xfrm>
+            <a:off x="5220677" y="4437112"/>
+            <a:ext cx="3198511" cy="1777813"/>
+          </a:xfrm>
+          <a:prstGeom prst="rect">
+            <a:avLst/>
+          </a:prstGeom>
+          <a:noFill/>
+          <a:ln w="9525">
+            <a:noFill/>
+            <a:miter lim="800000"/>
+            <a:headEnd/>
+            <a:tailEnd/>
+          </a:ln>
+        </p:spPr>
+      </p:pic>
+      <p:sp>
+        <p:nvSpPr>
+          <p:cNvPr id="53" name="ZoneTexte 52"/>
+          <p:cNvSpPr txBox="1"/>
+          <p:nvPr/>
+        </p:nvSpPr>
+        <p:spPr>
+          <a:xfrm>
+            <a:off x="6142317" y="4725144"/>
+            <a:ext cx="1368152" cy="1200329"/>
+          </a:xfrm>
+          <a:prstGeom prst="rect">
+            <a:avLst/>
+          </a:prstGeom>
+          <a:solidFill>
+            <a:schemeClr val="bg1">
+              <a:alpha val="43000"/>
+            </a:schemeClr>
+          </a:solidFill>
+        </p:spPr>
+        <p:txBody>
+          <a:bodyPr wrap="square" rtlCol="0">
+            <a:spAutoFit/>
+          </a:bodyPr>
+          <a:lstStyle/>
+          <a:p>
+            <a:r>
+              <a:rPr lang="fr-FR" dirty="0" smtClean="0"/>
+              <a:t>SCL to A5</a:t>
+            </a:r>
+          </a:p>
+          <a:p>
+            <a:r>
+              <a:rPr lang="fr-FR" dirty="0" smtClean="0"/>
+              <a:t>SDA to A4</a:t>
+            </a:r>
+          </a:p>
+          <a:p>
+            <a:r>
+              <a:rPr lang="fr-FR" dirty="0" smtClean="0"/>
+              <a:t>VCC to 5V</a:t>
+            </a:r>
+          </a:p>
+          <a:p>
+            <a:r>
+              <a:rPr lang="fr-FR" dirty="0" smtClean="0"/>
+              <a:t>GND to GND</a:t>
+            </a:r>
+          </a:p>
+        </p:txBody>
+      </p:sp>
+      <p:cxnSp>
+        <p:nvCxnSpPr>
+          <p:cNvPr id="119" name="Connecteur droit 118"/>
+          <p:cNvCxnSpPr/>
+          <p:nvPr/>
+        </p:nvCxnSpPr>
+        <p:spPr>
+          <a:xfrm flipV="1">
+            <a:off x="3923928" y="4797152"/>
+            <a:ext cx="0" cy="648072"/>
+          </a:xfrm>
+          <a:prstGeom prst="line">
+            <a:avLst/>
+          </a:prstGeom>
+          <a:ln w="38100">
+            <a:solidFill>
+              <a:schemeClr val="tx2">
+                <a:lumMod val="75000"/>
+              </a:schemeClr>
+            </a:solidFill>
+          </a:ln>
+        </p:spPr>
+        <p:style>
+          <a:lnRef idx="1">
+            <a:schemeClr val="accent1"/>
+          </a:lnRef>
+          <a:fillRef idx="0">
+            <a:schemeClr val="accent1"/>
+          </a:fillRef>
+          <a:effectRef idx="0">
+            <a:schemeClr val="accent1"/>
+          </a:effectRef>
+          <a:fontRef idx="minor">
+            <a:schemeClr val="tx1"/>
+          </a:fontRef>
+        </p:style>
+      </p:cxnSp>
+      <p:cxnSp>
+        <p:nvCxnSpPr>
+          <p:cNvPr id="125" name="Connecteur droit 124"/>
+          <p:cNvCxnSpPr/>
+          <p:nvPr/>
+        </p:nvCxnSpPr>
+        <p:spPr>
+          <a:xfrm>
+            <a:off x="3923928" y="5445224"/>
+            <a:ext cx="1368152" cy="0"/>
+          </a:xfrm>
+          <a:prstGeom prst="line">
+            <a:avLst/>
+          </a:prstGeom>
+          <a:ln w="38100">
+            <a:solidFill>
+              <a:schemeClr val="tx2">
+                <a:lumMod val="75000"/>
+              </a:schemeClr>
+            </a:solidFill>
+          </a:ln>
+        </p:spPr>
+        <p:style>
+          <a:lnRef idx="1">
+            <a:schemeClr val="accent1"/>
+          </a:lnRef>
+          <a:fillRef idx="0">
+            <a:schemeClr val="accent1"/>
+          </a:fillRef>
+          <a:effectRef idx="0">
+            <a:schemeClr val="accent1"/>
+          </a:effectRef>
+          <a:fontRef idx="minor">
+            <a:schemeClr val="tx1"/>
+          </a:fontRef>
+        </p:style>
+      </p:cxnSp>
+      <p:cxnSp>
+        <p:nvCxnSpPr>
+          <p:cNvPr id="135" name="Connecteur droit 134"/>
+          <p:cNvCxnSpPr/>
+          <p:nvPr/>
+        </p:nvCxnSpPr>
+        <p:spPr>
+          <a:xfrm>
+            <a:off x="4067944" y="5229200"/>
+            <a:ext cx="1224136" cy="0"/>
+          </a:xfrm>
+          <a:prstGeom prst="line">
+            <a:avLst/>
+          </a:prstGeom>
+          <a:ln w="38100">
+            <a:solidFill>
+              <a:srgbClr val="7030A0"/>
+            </a:solidFill>
+          </a:ln>
+        </p:spPr>
+        <p:style>
+          <a:lnRef idx="1">
+            <a:schemeClr val="accent1"/>
+          </a:lnRef>
+          <a:fillRef idx="0">
+            <a:schemeClr val="accent1"/>
+          </a:fillRef>
+          <a:effectRef idx="0">
+            <a:schemeClr val="accent1"/>
+          </a:effectRef>
+          <a:fontRef idx="minor">
+            <a:schemeClr val="tx1"/>
+          </a:fontRef>
+        </p:style>
+      </p:cxnSp>
+      <p:cxnSp>
+        <p:nvCxnSpPr>
+          <p:cNvPr id="137" name="Connecteur droit 136"/>
+          <p:cNvCxnSpPr/>
+          <p:nvPr/>
+        </p:nvCxnSpPr>
+        <p:spPr>
+          <a:xfrm flipV="1">
+            <a:off x="4067944" y="4797152"/>
+            <a:ext cx="0" cy="432048"/>
+          </a:xfrm>
+          <a:prstGeom prst="line">
+            <a:avLst/>
+          </a:prstGeom>
+          <a:ln w="38100">
+            <a:solidFill>
+              <a:srgbClr val="7030A0"/>
+            </a:solidFill>
+          </a:ln>
+        </p:spPr>
+        <p:style>
+          <a:lnRef idx="1">
+            <a:schemeClr val="accent1"/>
+          </a:lnRef>
+          <a:fillRef idx="0">
+            <a:schemeClr val="accent1"/>
+          </a:fillRef>
+          <a:effectRef idx="0">
+            <a:schemeClr val="accent1"/>
+          </a:effectRef>
+          <a:fontRef idx="minor">
+            <a:schemeClr val="tx1"/>
+          </a:fontRef>
+        </p:style>
+      </p:cxnSp>
+      <p:pic>
+        <p:nvPicPr>
+          <p:cNvPr id="42" name="Picture 12"/>
+          <p:cNvPicPr>
+            <a:picLocks noChangeAspect="1" noChangeArrowheads="1"/>
+          </p:cNvPicPr>
+          <p:nvPr/>
+        </p:nvPicPr>
+        <p:blipFill>
+          <a:blip r:embed="rId6" cstate="print"/>
+          <a:srcRect/>
+          <a:stretch>
+            <a:fillRect/>
+          </a:stretch>
+        </p:blipFill>
+        <p:spPr bwMode="auto">
+          <a:xfrm rot="5400000">
+            <a:off x="3764912" y="491672"/>
+            <a:ext cx="252424" cy="510456"/>
+          </a:xfrm>
+          <a:prstGeom prst="rect">
+            <a:avLst/>
+          </a:prstGeom>
+          <a:noFill/>
+          <a:ln w="9525">
+            <a:noFill/>
+            <a:miter lim="800000"/>
+            <a:headEnd/>
+            <a:tailEnd/>
+          </a:ln>
+        </p:spPr>
+      </p:pic>
+      <p:pic>
+        <p:nvPicPr>
+          <p:cNvPr id="43" name="Picture 13"/>
+          <p:cNvPicPr>
+            <a:picLocks noChangeAspect="1" noChangeArrowheads="1"/>
+          </p:cNvPicPr>
+          <p:nvPr/>
+        </p:nvPicPr>
+        <p:blipFill>
+          <a:blip r:embed="rId7" cstate="print"/>
+          <a:srcRect/>
+          <a:stretch>
+            <a:fillRect/>
+          </a:stretch>
+        </p:blipFill>
+        <p:spPr bwMode="auto">
+          <a:xfrm rot="5400000">
+            <a:off x="3745310" y="835706"/>
+            <a:ext cx="312611" cy="531440"/>
+          </a:xfrm>
+          <a:prstGeom prst="rect">
+            <a:avLst/>
+          </a:prstGeom>
+          <a:noFill/>
+          <a:ln w="9525">
+            <a:noFill/>
+            <a:miter lim="800000"/>
+            <a:headEnd/>
+            <a:tailEnd/>
+          </a:ln>
+        </p:spPr>
+      </p:pic>
+      <p:cxnSp>
+        <p:nvCxnSpPr>
+          <p:cNvPr id="44" name="Connecteur droit 43"/>
+          <p:cNvCxnSpPr>
+            <a:stCxn id="50" idx="3"/>
+          </p:cNvCxnSpPr>
+          <p:nvPr/>
+        </p:nvCxnSpPr>
+        <p:spPr>
+          <a:xfrm flipV="1">
+            <a:off x="2843808" y="1161144"/>
+            <a:ext cx="792088" cy="8826"/>
+          </a:xfrm>
+          <a:prstGeom prst="line">
+            <a:avLst/>
+          </a:prstGeom>
+          <a:ln w="38100">
+            <a:solidFill>
+              <a:schemeClr val="tx1"/>
+            </a:solidFill>
+          </a:ln>
+        </p:spPr>
+        <p:style>
+          <a:lnRef idx="1">
+            <a:schemeClr val="accent1"/>
+          </a:lnRef>
+          <a:fillRef idx="0">
+            <a:schemeClr val="accent1"/>
+          </a:fillRef>
+          <a:effectRef idx="0">
+            <a:schemeClr val="accent1"/>
+          </a:effectRef>
+          <a:fontRef idx="minor">
+            <a:schemeClr val="tx1"/>
+          </a:fontRef>
+        </p:style>
+      </p:cxnSp>
+      <p:cxnSp>
+        <p:nvCxnSpPr>
+          <p:cNvPr id="47" name="Connecteur droit 46"/>
+          <p:cNvCxnSpPr>
+            <a:stCxn id="51" idx="3"/>
+          </p:cNvCxnSpPr>
+          <p:nvPr/>
+        </p:nvCxnSpPr>
+        <p:spPr>
+          <a:xfrm flipV="1">
+            <a:off x="2843808" y="801104"/>
+            <a:ext cx="792088" cy="8826"/>
+          </a:xfrm>
+          <a:prstGeom prst="line">
+            <a:avLst/>
+          </a:prstGeom>
+          <a:ln w="38100">
+            <a:solidFill>
+              <a:schemeClr val="tx1"/>
+            </a:solidFill>
+          </a:ln>
+        </p:spPr>
+        <p:style>
+          <a:lnRef idx="1">
+            <a:schemeClr val="accent1"/>
+          </a:lnRef>
+          <a:fillRef idx="0">
+            <a:schemeClr val="accent1"/>
+          </a:fillRef>
+          <a:effectRef idx="0">
+            <a:schemeClr val="accent1"/>
+          </a:effectRef>
+          <a:fontRef idx="minor">
+            <a:schemeClr val="tx1"/>
+          </a:fontRef>
+        </p:style>
+      </p:cxnSp>
+      <p:cxnSp>
+        <p:nvCxnSpPr>
+          <p:cNvPr id="48" name="Connecteur droit 47"/>
+          <p:cNvCxnSpPr/>
+          <p:nvPr/>
+        </p:nvCxnSpPr>
+        <p:spPr>
+          <a:xfrm flipH="1" flipV="1">
+            <a:off x="3563888" y="1052736"/>
+            <a:ext cx="72008" cy="12291"/>
+          </a:xfrm>
+          <a:prstGeom prst="line">
+            <a:avLst/>
+          </a:prstGeom>
+          <a:ln w="38100">
+            <a:solidFill>
+              <a:srgbClr val="7030A0"/>
+            </a:solidFill>
+          </a:ln>
+        </p:spPr>
+        <p:style>
+          <a:lnRef idx="1">
+            <a:schemeClr val="accent1"/>
+          </a:lnRef>
+          <a:fillRef idx="0">
+            <a:schemeClr val="accent1"/>
+          </a:fillRef>
+          <a:effectRef idx="0">
+            <a:schemeClr val="accent1"/>
+          </a:effectRef>
+          <a:fontRef idx="minor">
+            <a:schemeClr val="tx1"/>
+          </a:fontRef>
+        </p:style>
+      </p:cxnSp>
+      <p:cxnSp>
+        <p:nvCxnSpPr>
+          <p:cNvPr id="49" name="Connecteur droit 48"/>
+          <p:cNvCxnSpPr/>
+          <p:nvPr/>
+        </p:nvCxnSpPr>
+        <p:spPr>
+          <a:xfrm flipH="1">
+            <a:off x="3419872" y="692696"/>
+            <a:ext cx="207640" cy="1"/>
+          </a:xfrm>
+          <a:prstGeom prst="line">
+            <a:avLst/>
+          </a:prstGeom>
+          <a:ln w="38100">
+            <a:solidFill>
+              <a:srgbClr val="7030A0"/>
+            </a:solidFill>
+          </a:ln>
+        </p:spPr>
+        <p:style>
+          <a:lnRef idx="1">
+            <a:schemeClr val="accent1"/>
+          </a:lnRef>
+          <a:fillRef idx="0">
+            <a:schemeClr val="accent1"/>
+          </a:fillRef>
+          <a:effectRef idx="0">
+            <a:schemeClr val="accent1"/>
+          </a:effectRef>
+          <a:fontRef idx="minor">
+            <a:schemeClr val="tx1"/>
+          </a:fontRef>
+        </p:style>
+      </p:cxnSp>
+      <p:pic>
+        <p:nvPicPr>
+          <p:cNvPr id="50" name="Picture 3" descr="C:\Users\BOICHOT\Desktop\Sans titre.png"/>
+          <p:cNvPicPr>
+            <a:picLocks noChangeAspect="1" noChangeArrowheads="1"/>
+          </p:cNvPicPr>
+          <p:nvPr/>
+        </p:nvPicPr>
+        <p:blipFill>
+          <a:blip r:embed="rId8" cstate="print"/>
+          <a:srcRect/>
+          <a:stretch>
+            <a:fillRect/>
+          </a:stretch>
+        </p:blipFill>
+        <p:spPr bwMode="auto">
+          <a:xfrm>
+            <a:off x="2411760" y="1017128"/>
+            <a:ext cx="432048" cy="305683"/>
+          </a:xfrm>
+          <a:prstGeom prst="rect">
+            <a:avLst/>
+          </a:prstGeom>
+          <a:noFill/>
+        </p:spPr>
+      </p:pic>
+      <p:pic>
+        <p:nvPicPr>
+          <p:cNvPr id="51" name="Picture 3" descr="C:\Users\BOICHOT\Desktop\Sans titre.png"/>
+          <p:cNvPicPr>
+            <a:picLocks noChangeAspect="1" noChangeArrowheads="1"/>
+          </p:cNvPicPr>
+          <p:nvPr/>
+        </p:nvPicPr>
+        <p:blipFill>
+          <a:blip r:embed="rId8" cstate="print"/>
+          <a:srcRect/>
+          <a:stretch>
+            <a:fillRect/>
+          </a:stretch>
+        </p:blipFill>
+        <p:spPr bwMode="auto">
+          <a:xfrm>
+            <a:off x="2411760" y="657088"/>
+            <a:ext cx="432048" cy="305683"/>
+          </a:xfrm>
+          <a:prstGeom prst="rect">
+            <a:avLst/>
+          </a:prstGeom>
+          <a:noFill/>
+        </p:spPr>
+      </p:pic>
+      <p:cxnSp>
+        <p:nvCxnSpPr>
+          <p:cNvPr id="52" name="Connecteur droit 51"/>
+          <p:cNvCxnSpPr/>
+          <p:nvPr/>
+        </p:nvCxnSpPr>
+        <p:spPr>
+          <a:xfrm flipH="1">
+            <a:off x="2123728" y="801104"/>
+            <a:ext cx="288032" cy="0"/>
+          </a:xfrm>
+          <a:prstGeom prst="line">
+            <a:avLst/>
+          </a:prstGeom>
+          <a:ln w="38100">
+            <a:solidFill>
+              <a:schemeClr val="tx1"/>
+            </a:solidFill>
+          </a:ln>
+        </p:spPr>
+        <p:style>
+          <a:lnRef idx="1">
+            <a:schemeClr val="accent1"/>
+          </a:lnRef>
+          <a:fillRef idx="0">
+            <a:schemeClr val="accent1"/>
+          </a:fillRef>
+          <a:effectRef idx="0">
+            <a:schemeClr val="accent1"/>
+          </a:effectRef>
+          <a:fontRef idx="minor">
+            <a:schemeClr val="tx1"/>
+          </a:fontRef>
+        </p:style>
+      </p:cxnSp>
+      <p:cxnSp>
+        <p:nvCxnSpPr>
+          <p:cNvPr id="55" name="Connecteur droit 54"/>
+          <p:cNvCxnSpPr/>
+          <p:nvPr/>
+        </p:nvCxnSpPr>
+        <p:spPr>
+          <a:xfrm flipH="1">
+            <a:off x="2123728" y="1161144"/>
+            <a:ext cx="288032" cy="0"/>
+          </a:xfrm>
+          <a:prstGeom prst="line">
+            <a:avLst/>
+          </a:prstGeom>
+          <a:ln w="38100">
+            <a:solidFill>
+              <a:schemeClr val="tx1"/>
+            </a:solidFill>
+          </a:ln>
+        </p:spPr>
+        <p:style>
+          <a:lnRef idx="1">
+            <a:schemeClr val="accent1"/>
+          </a:lnRef>
+          <a:fillRef idx="0">
+            <a:schemeClr val="accent1"/>
+          </a:fillRef>
+          <a:effectRef idx="0">
+            <a:schemeClr val="accent1"/>
+          </a:effectRef>
+          <a:fontRef idx="minor">
+            <a:schemeClr val="tx1"/>
+          </a:fontRef>
+        </p:style>
+      </p:cxnSp>
+      <p:cxnSp>
+        <p:nvCxnSpPr>
+          <p:cNvPr id="92" name="Connecteur droit 91"/>
+          <p:cNvCxnSpPr/>
+          <p:nvPr/>
+        </p:nvCxnSpPr>
+        <p:spPr>
+          <a:xfrm flipV="1">
+            <a:off x="4716016" y="2132856"/>
+            <a:ext cx="0" cy="1512168"/>
+          </a:xfrm>
+          <a:prstGeom prst="line">
+            <a:avLst/>
+          </a:prstGeom>
+          <a:ln w="38100">
+            <a:solidFill>
+              <a:schemeClr val="accent6">
+                <a:lumMod val="75000"/>
+              </a:schemeClr>
+            </a:solidFill>
+          </a:ln>
+        </p:spPr>
+        <p:style>
+          <a:lnRef idx="1">
+            <a:schemeClr val="accent1"/>
+          </a:lnRef>
+          <a:fillRef idx="0">
+            <a:schemeClr val="accent1"/>
+          </a:fillRef>
+          <a:effectRef idx="0">
+            <a:schemeClr val="accent1"/>
+          </a:effectRef>
+          <a:fontRef idx="minor">
+            <a:schemeClr val="tx1"/>
+          </a:fontRef>
+        </p:style>
+      </p:cxnSp>
+      <p:cxnSp>
+        <p:nvCxnSpPr>
+          <p:cNvPr id="98" name="Connecteur droit 97"/>
+          <p:cNvCxnSpPr/>
+          <p:nvPr/>
+        </p:nvCxnSpPr>
+        <p:spPr>
+          <a:xfrm flipH="1">
+            <a:off x="4716016" y="3645024"/>
+            <a:ext cx="576064" cy="0"/>
+          </a:xfrm>
+          <a:prstGeom prst="line">
+            <a:avLst/>
+          </a:prstGeom>
+          <a:ln w="38100">
+            <a:solidFill>
+              <a:schemeClr val="accent6">
+                <a:lumMod val="75000"/>
+              </a:schemeClr>
+            </a:solidFill>
+          </a:ln>
+        </p:spPr>
+        <p:style>
+          <a:lnRef idx="1">
+            <a:schemeClr val="accent1"/>
+          </a:lnRef>
+          <a:fillRef idx="0">
+            <a:schemeClr val="accent1"/>
+          </a:fillRef>
+          <a:effectRef idx="0">
+            <a:schemeClr val="accent1"/>
+          </a:effectRef>
+          <a:fontRef idx="minor">
+            <a:schemeClr val="tx1"/>
+          </a:fontRef>
+        </p:style>
+      </p:cxnSp>
+      <p:cxnSp>
+        <p:nvCxnSpPr>
+          <p:cNvPr id="38" name="Connecteur droit 37"/>
+          <p:cNvCxnSpPr/>
+          <p:nvPr/>
+        </p:nvCxnSpPr>
+        <p:spPr>
+          <a:xfrm>
+            <a:off x="2699792" y="5589240"/>
+            <a:ext cx="2592288" cy="0"/>
+          </a:xfrm>
+          <a:prstGeom prst="line">
+            <a:avLst/>
+          </a:prstGeom>
+          <a:ln w="38100">
+            <a:solidFill>
+              <a:srgbClr val="FF0000"/>
+            </a:solidFill>
+          </a:ln>
+        </p:spPr>
+        <p:style>
+          <a:lnRef idx="1">
+            <a:schemeClr val="accent1"/>
+          </a:lnRef>
+          <a:fillRef idx="0">
+            <a:schemeClr val="accent1"/>
+          </a:fillRef>
+          <a:effectRef idx="0">
+            <a:schemeClr val="accent1"/>
+          </a:effectRef>
+          <a:fontRef idx="minor">
+            <a:schemeClr val="tx1"/>
+          </a:fontRef>
+        </p:style>
+      </p:cxnSp>
+      <p:cxnSp>
+        <p:nvCxnSpPr>
+          <p:cNvPr id="95" name="Connecteur droit 94"/>
+          <p:cNvCxnSpPr/>
+          <p:nvPr/>
+        </p:nvCxnSpPr>
+        <p:spPr>
+          <a:xfrm>
+            <a:off x="2843808" y="5805264"/>
+            <a:ext cx="2448272" cy="0"/>
+          </a:xfrm>
+          <a:prstGeom prst="line">
+            <a:avLst/>
+          </a:prstGeom>
+          <a:ln w="38100">
+            <a:solidFill>
+              <a:schemeClr val="tx1"/>
+            </a:solidFill>
+          </a:ln>
+        </p:spPr>
+        <p:style>
+          <a:lnRef idx="1">
+            <a:schemeClr val="accent1"/>
+          </a:lnRef>
+          <a:fillRef idx="0">
+            <a:schemeClr val="accent1"/>
+          </a:fillRef>
+          <a:effectRef idx="0">
+            <a:schemeClr val="accent1"/>
+          </a:effectRef>
+          <a:fontRef idx="minor">
+            <a:schemeClr val="tx1"/>
+          </a:fontRef>
+        </p:style>
+      </p:cxnSp>
+      <p:cxnSp>
+        <p:nvCxnSpPr>
+          <p:cNvPr id="132" name="Connecteur droit 131"/>
+          <p:cNvCxnSpPr/>
+          <p:nvPr/>
+        </p:nvCxnSpPr>
+        <p:spPr>
+          <a:xfrm>
+            <a:off x="4932040" y="1340768"/>
+            <a:ext cx="0" cy="4248472"/>
+          </a:xfrm>
+          <a:prstGeom prst="line">
+            <a:avLst/>
+          </a:prstGeom>
+          <a:ln w="38100">
+            <a:solidFill>
+              <a:srgbClr val="FF0000"/>
+            </a:solidFill>
+          </a:ln>
+        </p:spPr>
+        <p:style>
+          <a:lnRef idx="1">
+            <a:schemeClr val="accent1"/>
+          </a:lnRef>
+          <a:fillRef idx="0">
+            <a:schemeClr val="accent1"/>
+          </a:fillRef>
+          <a:effectRef idx="0">
+            <a:schemeClr val="accent1"/>
+          </a:effectRef>
+          <a:fontRef idx="minor">
+            <a:schemeClr val="tx1"/>
+          </a:fontRef>
+        </p:style>
+      </p:cxnSp>
+      <p:cxnSp>
+        <p:nvCxnSpPr>
+          <p:cNvPr id="134" name="Connecteur droit 133"/>
+          <p:cNvCxnSpPr/>
+          <p:nvPr/>
+        </p:nvCxnSpPr>
+        <p:spPr>
+          <a:xfrm>
+            <a:off x="4932040" y="1340768"/>
+            <a:ext cx="720080" cy="0"/>
+          </a:xfrm>
+          <a:prstGeom prst="line">
+            <a:avLst/>
+          </a:prstGeom>
+          <a:ln w="38100">
+            <a:solidFill>
+              <a:srgbClr val="FF0000"/>
+            </a:solidFill>
+          </a:ln>
+        </p:spPr>
+        <p:style>
+          <a:lnRef idx="1">
+            <a:schemeClr val="accent1"/>
+          </a:lnRef>
+          <a:fillRef idx="0">
+            <a:schemeClr val="accent1"/>
+          </a:fillRef>
+          <a:effectRef idx="0">
+            <a:schemeClr val="accent1"/>
+          </a:effectRef>
+          <a:fontRef idx="minor">
+            <a:schemeClr val="tx1"/>
+          </a:fontRef>
+        </p:style>
+      </p:cxnSp>
+      <p:cxnSp>
+        <p:nvCxnSpPr>
+          <p:cNvPr id="138" name="Connecteur droit 137"/>
+          <p:cNvCxnSpPr/>
+          <p:nvPr/>
+        </p:nvCxnSpPr>
+        <p:spPr>
+          <a:xfrm>
+            <a:off x="4932040" y="3501008"/>
+            <a:ext cx="360040" cy="0"/>
+          </a:xfrm>
+          <a:prstGeom prst="line">
+            <a:avLst/>
+          </a:prstGeom>
+          <a:ln w="38100">
+            <a:solidFill>
+              <a:srgbClr val="FF0000"/>
+            </a:solidFill>
+          </a:ln>
+        </p:spPr>
+        <p:style>
+          <a:lnRef idx="1">
+            <a:schemeClr val="accent1"/>
+          </a:lnRef>
+          <a:fillRef idx="0">
+            <a:schemeClr val="accent1"/>
+          </a:fillRef>
+          <a:effectRef idx="0">
+            <a:schemeClr val="accent1"/>
+          </a:effectRef>
+          <a:fontRef idx="minor">
+            <a:schemeClr val="tx1"/>
+          </a:fontRef>
+        </p:style>
+      </p:cxnSp>
+      <p:cxnSp>
+        <p:nvCxnSpPr>
+          <p:cNvPr id="140" name="Connecteur droit 139"/>
+          <p:cNvCxnSpPr/>
+          <p:nvPr/>
+        </p:nvCxnSpPr>
+        <p:spPr>
+          <a:xfrm>
+            <a:off x="5076056" y="2132856"/>
+            <a:ext cx="0" cy="3672408"/>
+          </a:xfrm>
+          <a:prstGeom prst="line">
+            <a:avLst/>
+          </a:prstGeom>
+          <a:ln w="38100">
+            <a:solidFill>
+              <a:schemeClr val="tx1"/>
+            </a:solidFill>
+          </a:ln>
+        </p:spPr>
+        <p:style>
+          <a:lnRef idx="1">
+            <a:schemeClr val="accent1"/>
+          </a:lnRef>
+          <a:fillRef idx="0">
+            <a:schemeClr val="accent1"/>
+          </a:fillRef>
+          <a:effectRef idx="0">
+            <a:schemeClr val="accent1"/>
+          </a:effectRef>
+          <a:fontRef idx="minor">
+            <a:schemeClr val="tx1"/>
+          </a:fontRef>
+        </p:style>
+      </p:cxnSp>
+      <p:cxnSp>
+        <p:nvCxnSpPr>
+          <p:cNvPr id="142" name="Connecteur droit 141"/>
+          <p:cNvCxnSpPr/>
+          <p:nvPr/>
+        </p:nvCxnSpPr>
+        <p:spPr>
+          <a:xfrm>
+            <a:off x="5076056" y="2132856"/>
+            <a:ext cx="576064" cy="0"/>
+          </a:xfrm>
+          <a:prstGeom prst="line">
+            <a:avLst/>
+          </a:prstGeom>
+          <a:ln w="38100">
+            <a:solidFill>
+              <a:schemeClr val="tx1"/>
+            </a:solidFill>
+          </a:ln>
+        </p:spPr>
+        <p:style>
+          <a:lnRef idx="1">
+            <a:schemeClr val="accent1"/>
+          </a:lnRef>
+          <a:fillRef idx="0">
+            <a:schemeClr val="accent1"/>
+          </a:fillRef>
+          <a:effectRef idx="0">
+            <a:schemeClr val="accent1"/>
+          </a:effectRef>
+          <a:fontRef idx="minor">
+            <a:schemeClr val="tx1"/>
+          </a:fontRef>
+        </p:style>
+      </p:cxnSp>
+      <p:cxnSp>
+        <p:nvCxnSpPr>
+          <p:cNvPr id="146" name="Connecteur droit 145"/>
+          <p:cNvCxnSpPr/>
+          <p:nvPr/>
+        </p:nvCxnSpPr>
+        <p:spPr>
+          <a:xfrm>
+            <a:off x="5076056" y="3284984"/>
+            <a:ext cx="216024" cy="0"/>
           </a:xfrm>
           <a:prstGeom prst="line">
             <a:avLst/>

--- a/Pictures/Pinout_DHT22.pptx
+++ b/Pictures/Pinout_DHT22.pptx
@@ -7,6 +7,7 @@
   <p:sldIdLst>
     <p:sldId id="263" r:id="rId2"/>
     <p:sldId id="265" r:id="rId3"/>
+    <p:sldId id="266" r:id="rId4"/>
   </p:sldIdLst>
   <p:sldSz cx="9144000" cy="6858000" type="screen4x3"/>
   <p:notesSz cx="6858000" cy="9144000"/>
@@ -290,7 +291,7 @@
             <a:fld id="{AA309A6D-C09C-4548-B29A-6CF363A7E532}" type="datetimeFigureOut">
               <a:rPr lang="fr-FR" smtClean="0"/>
               <a:pPr/>
-              <a:t>09/03/2024</a:t>
+              <a:t>12/02/2026</a:t>
             </a:fld>
             <a:endParaRPr lang="fr-BE"/>
           </a:p>
@@ -457,7 +458,7 @@
             <a:fld id="{AA309A6D-C09C-4548-B29A-6CF363A7E532}" type="datetimeFigureOut">
               <a:rPr lang="fr-FR" smtClean="0"/>
               <a:pPr/>
-              <a:t>09/03/2024</a:t>
+              <a:t>12/02/2026</a:t>
             </a:fld>
             <a:endParaRPr lang="fr-BE"/>
           </a:p>
@@ -634,7 +635,7 @@
             <a:fld id="{AA309A6D-C09C-4548-B29A-6CF363A7E532}" type="datetimeFigureOut">
               <a:rPr lang="fr-FR" smtClean="0"/>
               <a:pPr/>
-              <a:t>09/03/2024</a:t>
+              <a:t>12/02/2026</a:t>
             </a:fld>
             <a:endParaRPr lang="fr-BE"/>
           </a:p>
@@ -801,7 +802,7 @@
             <a:fld id="{AA309A6D-C09C-4548-B29A-6CF363A7E532}" type="datetimeFigureOut">
               <a:rPr lang="fr-FR" smtClean="0"/>
               <a:pPr/>
-              <a:t>09/03/2024</a:t>
+              <a:t>12/02/2026</a:t>
             </a:fld>
             <a:endParaRPr lang="fr-BE"/>
           </a:p>
@@ -1044,7 +1045,7 @@
             <a:fld id="{AA309A6D-C09C-4548-B29A-6CF363A7E532}" type="datetimeFigureOut">
               <a:rPr lang="fr-FR" smtClean="0"/>
               <a:pPr/>
-              <a:t>09/03/2024</a:t>
+              <a:t>12/02/2026</a:t>
             </a:fld>
             <a:endParaRPr lang="fr-BE"/>
           </a:p>
@@ -1329,7 +1330,7 @@
             <a:fld id="{AA309A6D-C09C-4548-B29A-6CF363A7E532}" type="datetimeFigureOut">
               <a:rPr lang="fr-FR" smtClean="0"/>
               <a:pPr/>
-              <a:t>09/03/2024</a:t>
+              <a:t>12/02/2026</a:t>
             </a:fld>
             <a:endParaRPr lang="fr-BE"/>
           </a:p>
@@ -1748,7 +1749,7 @@
             <a:fld id="{AA309A6D-C09C-4548-B29A-6CF363A7E532}" type="datetimeFigureOut">
               <a:rPr lang="fr-FR" smtClean="0"/>
               <a:pPr/>
-              <a:t>09/03/2024</a:t>
+              <a:t>12/02/2026</a:t>
             </a:fld>
             <a:endParaRPr lang="fr-BE"/>
           </a:p>
@@ -1863,7 +1864,7 @@
             <a:fld id="{AA309A6D-C09C-4548-B29A-6CF363A7E532}" type="datetimeFigureOut">
               <a:rPr lang="fr-FR" smtClean="0"/>
               <a:pPr/>
-              <a:t>09/03/2024</a:t>
+              <a:t>12/02/2026</a:t>
             </a:fld>
             <a:endParaRPr lang="fr-BE"/>
           </a:p>
@@ -1955,7 +1956,7 @@
             <a:fld id="{AA309A6D-C09C-4548-B29A-6CF363A7E532}" type="datetimeFigureOut">
               <a:rPr lang="fr-FR" smtClean="0"/>
               <a:pPr/>
-              <a:t>09/03/2024</a:t>
+              <a:t>12/02/2026</a:t>
             </a:fld>
             <a:endParaRPr lang="fr-BE"/>
           </a:p>
@@ -2229,7 +2230,7 @@
             <a:fld id="{AA309A6D-C09C-4548-B29A-6CF363A7E532}" type="datetimeFigureOut">
               <a:rPr lang="fr-FR" smtClean="0"/>
               <a:pPr/>
-              <a:t>09/03/2024</a:t>
+              <a:t>12/02/2026</a:t>
             </a:fld>
             <a:endParaRPr lang="fr-BE"/>
           </a:p>
@@ -2479,7 +2480,7 @@
             <a:fld id="{AA309A6D-C09C-4548-B29A-6CF363A7E532}" type="datetimeFigureOut">
               <a:rPr lang="fr-FR" smtClean="0"/>
               <a:pPr/>
-              <a:t>09/03/2024</a:t>
+              <a:t>12/02/2026</a:t>
             </a:fld>
             <a:endParaRPr lang="fr-BE"/>
           </a:p>
@@ -2689,7 +2690,7 @@
             <a:fld id="{AA309A6D-C09C-4548-B29A-6CF363A7E532}" type="datetimeFigureOut">
               <a:rPr lang="fr-FR" smtClean="0"/>
               <a:pPr/>
-              <a:t>09/03/2024</a:t>
+              <a:t>12/02/2026</a:t>
             </a:fld>
             <a:endParaRPr lang="fr-BE"/>
           </a:p>
@@ -6524,6 +6525,245 @@
           <a:ln w="38100">
             <a:solidFill>
               <a:schemeClr val="tx1"/>
+            </a:solidFill>
+          </a:ln>
+        </p:spPr>
+        <p:style>
+          <a:lnRef idx="1">
+            <a:schemeClr val="accent1"/>
+          </a:lnRef>
+          <a:fillRef idx="0">
+            <a:schemeClr val="accent1"/>
+          </a:fillRef>
+          <a:effectRef idx="0">
+            <a:schemeClr val="accent1"/>
+          </a:effectRef>
+          <a:fontRef idx="minor">
+            <a:schemeClr val="tx1"/>
+          </a:fontRef>
+        </p:style>
+      </p:cxnSp>
+    </p:spTree>
+  </p:cSld>
+  <p:clrMapOvr>
+    <a:masterClrMapping/>
+  </p:clrMapOvr>
+  <p:timing>
+    <p:tnLst>
+      <p:par>
+        <p:cTn id="1" dur="indefinite" restart="never" nodeType="tmRoot"/>
+      </p:par>
+    </p:tnLst>
+  </p:timing>
+</p:sld>
+</file>
+
+<file path=ppt/slides/slide3.xml><?xml version="1.0" encoding="utf-8"?>
+<p:sld xmlns:a="http://schemas.openxmlformats.org/drawingml/2006/main" xmlns:r="http://schemas.openxmlformats.org/officeDocument/2006/relationships" xmlns:p="http://schemas.openxmlformats.org/presentationml/2006/main">
+  <p:cSld>
+    <p:spTree>
+      <p:nvGrpSpPr>
+        <p:cNvPr id="1" name=""/>
+        <p:cNvGrpSpPr/>
+        <p:nvPr/>
+      </p:nvGrpSpPr>
+      <p:grpSpPr>
+        <a:xfrm>
+          <a:off x="0" y="0"/>
+          <a:ext cx="0" cy="0"/>
+          <a:chOff x="0" y="0"/>
+          <a:chExt cx="0" cy="0"/>
+        </a:xfrm>
+      </p:grpSpPr>
+      <p:pic>
+        <p:nvPicPr>
+          <p:cNvPr id="4" name="Picture 2"/>
+          <p:cNvPicPr>
+            <a:picLocks noChangeAspect="1" noChangeArrowheads="1"/>
+          </p:cNvPicPr>
+          <p:nvPr/>
+        </p:nvPicPr>
+        <p:blipFill>
+          <a:blip r:embed="rId2" cstate="print"/>
+          <a:srcRect/>
+          <a:stretch>
+            <a:fillRect/>
+          </a:stretch>
+        </p:blipFill>
+        <p:spPr bwMode="auto">
+          <a:xfrm rot="16200000">
+            <a:off x="4950972" y="1321837"/>
+            <a:ext cx="1906353" cy="2088232"/>
+          </a:xfrm>
+          <a:prstGeom prst="rect">
+            <a:avLst/>
+          </a:prstGeom>
+          <a:noFill/>
+          <a:ln w="9525">
+            <a:noFill/>
+            <a:miter lim="800000"/>
+            <a:headEnd/>
+            <a:tailEnd/>
+          </a:ln>
+          <a:effectLst/>
+        </p:spPr>
+      </p:pic>
+      <p:pic>
+        <p:nvPicPr>
+          <p:cNvPr id="2" name="Picture 2"/>
+          <p:cNvPicPr>
+            <a:picLocks noChangeAspect="1" noChangeArrowheads="1"/>
+          </p:cNvPicPr>
+          <p:nvPr/>
+        </p:nvPicPr>
+        <p:blipFill>
+          <a:blip r:embed="rId3" cstate="print"/>
+          <a:srcRect/>
+          <a:stretch>
+            <a:fillRect/>
+          </a:stretch>
+        </p:blipFill>
+        <p:spPr bwMode="auto">
+          <a:xfrm>
+            <a:off x="611560" y="1484784"/>
+            <a:ext cx="3198511" cy="1777813"/>
+          </a:xfrm>
+          <a:prstGeom prst="rect">
+            <a:avLst/>
+          </a:prstGeom>
+          <a:noFill/>
+          <a:ln w="9525">
+            <a:noFill/>
+            <a:miter lim="800000"/>
+            <a:headEnd/>
+            <a:tailEnd/>
+          </a:ln>
+        </p:spPr>
+      </p:pic>
+      <p:cxnSp>
+        <p:nvCxnSpPr>
+          <p:cNvPr id="59" name="Connecteur droit 58"/>
+          <p:cNvCxnSpPr/>
+          <p:nvPr/>
+        </p:nvCxnSpPr>
+        <p:spPr>
+          <a:xfrm>
+            <a:off x="3635896" y="2636912"/>
+            <a:ext cx="1296144" cy="0"/>
+          </a:xfrm>
+          <a:prstGeom prst="line">
+            <a:avLst/>
+          </a:prstGeom>
+          <a:ln w="38100">
+            <a:solidFill>
+              <a:schemeClr val="tx1"/>
+            </a:solidFill>
+          </a:ln>
+        </p:spPr>
+        <p:style>
+          <a:lnRef idx="1">
+            <a:schemeClr val="accent1"/>
+          </a:lnRef>
+          <a:fillRef idx="0">
+            <a:schemeClr val="accent1"/>
+          </a:fillRef>
+          <a:effectRef idx="0">
+            <a:schemeClr val="accent1"/>
+          </a:effectRef>
+          <a:fontRef idx="minor">
+            <a:schemeClr val="tx1"/>
+          </a:fontRef>
+        </p:style>
+      </p:cxnSp>
+      <p:cxnSp>
+        <p:nvCxnSpPr>
+          <p:cNvPr id="63" name="Connecteur droit 62"/>
+          <p:cNvCxnSpPr/>
+          <p:nvPr/>
+        </p:nvCxnSpPr>
+        <p:spPr>
+          <a:xfrm>
+            <a:off x="3635896" y="2492896"/>
+            <a:ext cx="1296144" cy="0"/>
+          </a:xfrm>
+          <a:prstGeom prst="line">
+            <a:avLst/>
+          </a:prstGeom>
+          <a:ln w="38100">
+            <a:solidFill>
+              <a:srgbClr val="FF0000"/>
+            </a:solidFill>
+          </a:ln>
+        </p:spPr>
+        <p:style>
+          <a:lnRef idx="1">
+            <a:schemeClr val="accent1"/>
+          </a:lnRef>
+          <a:fillRef idx="0">
+            <a:schemeClr val="accent1"/>
+          </a:fillRef>
+          <a:effectRef idx="0">
+            <a:schemeClr val="accent1"/>
+          </a:effectRef>
+          <a:fontRef idx="minor">
+            <a:schemeClr val="tx1"/>
+          </a:fontRef>
+        </p:style>
+      </p:cxnSp>
+      <p:cxnSp>
+        <p:nvCxnSpPr>
+          <p:cNvPr id="66" name="Connecteur droit 65"/>
+          <p:cNvCxnSpPr/>
+          <p:nvPr/>
+        </p:nvCxnSpPr>
+        <p:spPr>
+          <a:xfrm flipH="1" flipV="1">
+            <a:off x="3635896" y="2060848"/>
+            <a:ext cx="1368152" cy="216024"/>
+          </a:xfrm>
+          <a:prstGeom prst="line">
+            <a:avLst/>
+          </a:prstGeom>
+          <a:ln w="38100">
+            <a:solidFill>
+              <a:srgbClr val="7030A0"/>
+            </a:solidFill>
+          </a:ln>
+        </p:spPr>
+        <p:style>
+          <a:lnRef idx="1">
+            <a:schemeClr val="accent1"/>
+          </a:lnRef>
+          <a:fillRef idx="0">
+            <a:schemeClr val="accent1"/>
+          </a:fillRef>
+          <a:effectRef idx="0">
+            <a:schemeClr val="accent1"/>
+          </a:effectRef>
+          <a:fontRef idx="minor">
+            <a:schemeClr val="tx1"/>
+          </a:fontRef>
+        </p:style>
+      </p:cxnSp>
+      <p:cxnSp>
+        <p:nvCxnSpPr>
+          <p:cNvPr id="81" name="Connecteur droit 80"/>
+          <p:cNvCxnSpPr/>
+          <p:nvPr/>
+        </p:nvCxnSpPr>
+        <p:spPr>
+          <a:xfrm flipV="1">
+            <a:off x="3635896" y="2060848"/>
+            <a:ext cx="1368152" cy="216024"/>
+          </a:xfrm>
+          <a:prstGeom prst="line">
+            <a:avLst/>
+          </a:prstGeom>
+          <a:ln w="38100">
+            <a:solidFill>
+              <a:schemeClr val="tx2">
+                <a:lumMod val="75000"/>
+              </a:schemeClr>
             </a:solidFill>
           </a:ln>
         </p:spPr>
